--- a/_PowerPoints/1st Semester/Unit 1 Functions/PreCalc_Day_006.pptx
+++ b/_PowerPoints/1st Semester/Unit 1 Functions/PreCalc_Day_006.pptx
@@ -287,7 +287,7 @@
             <a:fld id="{87DE6118-2437-4B30-8E3C-4D2BE6020583}" type="datetimeFigureOut">
               <a:rPr lang="en-US" dirty="0"/>
               <a:pPr/>
-              <a:t>9/5/2017</a:t>
+              <a:t>9/10/2018</a:t>
             </a:fld>
             <a:endParaRPr lang="en-US" dirty="0"/>
           </a:p>
@@ -613,7 +613,7 @@
           <a:p>
             <a:fld id="{87DE6118-2437-4B30-8E3C-4D2BE6020583}" type="datetimeFigureOut">
               <a:rPr lang="en-US" dirty="0"/>
-              <a:t>9/5/2017</a:t>
+              <a:t>9/10/2018</a:t>
             </a:fld>
             <a:endParaRPr lang="en-US" dirty="0"/>
           </a:p>
@@ -788,7 +788,7 @@
           <a:p>
             <a:fld id="{87DE6118-2437-4B30-8E3C-4D2BE6020583}" type="datetimeFigureOut">
               <a:rPr lang="en-US" dirty="0"/>
-              <a:t>9/5/2017</a:t>
+              <a:t>9/10/2018</a:t>
             </a:fld>
             <a:endParaRPr lang="en-US" dirty="0"/>
           </a:p>
@@ -953,7 +953,7 @@
           <a:p>
             <a:fld id="{87DE6118-2437-4B30-8E3C-4D2BE6020583}" type="datetimeFigureOut">
               <a:rPr lang="en-US" dirty="0"/>
-              <a:t>9/5/2017</a:t>
+              <a:t>9/10/2018</a:t>
             </a:fld>
             <a:endParaRPr lang="en-US" dirty="0"/>
           </a:p>
@@ -1226,7 +1226,7 @@
             <a:fld id="{87DE6118-2437-4B30-8E3C-4D2BE6020583}" type="datetimeFigureOut">
               <a:rPr lang="en-US" dirty="0"/>
               <a:pPr/>
-              <a:t>9/5/2017</a:t>
+              <a:t>9/10/2018</a:t>
             </a:fld>
             <a:endParaRPr lang="en-US" dirty="0"/>
           </a:p>
@@ -1616,7 +1616,7 @@
           <a:p>
             <a:fld id="{87DE6118-2437-4B30-8E3C-4D2BE6020583}" type="datetimeFigureOut">
               <a:rPr lang="en-US" dirty="0"/>
-              <a:t>9/5/2017</a:t>
+              <a:t>9/10/2018</a:t>
             </a:fld>
             <a:endParaRPr lang="en-US" dirty="0"/>
           </a:p>
@@ -2088,7 +2088,7 @@
           <a:p>
             <a:fld id="{87DE6118-2437-4B30-8E3C-4D2BE6020583}" type="datetimeFigureOut">
               <a:rPr lang="en-US" dirty="0"/>
-              <a:t>9/5/2017</a:t>
+              <a:t>9/10/2018</a:t>
             </a:fld>
             <a:endParaRPr lang="en-US" dirty="0"/>
           </a:p>
@@ -2201,7 +2201,7 @@
           <a:p>
             <a:fld id="{87DE6118-2437-4B30-8E3C-4D2BE6020583}" type="datetimeFigureOut">
               <a:rPr lang="en-US" dirty="0"/>
-              <a:t>9/5/2017</a:t>
+              <a:t>9/10/2018</a:t>
             </a:fld>
             <a:endParaRPr lang="en-US" dirty="0"/>
           </a:p>
@@ -2291,7 +2291,7 @@
           <a:p>
             <a:fld id="{87DE6118-2437-4B30-8E3C-4D2BE6020583}" type="datetimeFigureOut">
               <a:rPr lang="en-US" dirty="0"/>
-              <a:t>9/5/2017</a:t>
+              <a:t>9/10/2018</a:t>
             </a:fld>
             <a:endParaRPr lang="en-US" dirty="0"/>
           </a:p>
@@ -2633,7 +2633,7 @@
             <a:fld id="{87DE6118-2437-4B30-8E3C-4D2BE6020583}" type="datetimeFigureOut">
               <a:rPr lang="en-US" dirty="0"/>
               <a:pPr/>
-              <a:t>9/5/2017</a:t>
+              <a:t>9/10/2018</a:t>
             </a:fld>
             <a:endParaRPr lang="en-US" dirty="0"/>
           </a:p>
@@ -3018,7 +3018,7 @@
             <a:fld id="{87DE6118-2437-4B30-8E3C-4D2BE6020583}" type="datetimeFigureOut">
               <a:rPr lang="en-US" dirty="0"/>
               <a:pPr/>
-              <a:t>9/5/2017</a:t>
+              <a:t>9/10/2018</a:t>
             </a:fld>
             <a:endParaRPr lang="en-US" dirty="0"/>
           </a:p>
@@ -3293,7 +3293,7 @@
             <a:fld id="{87DE6118-2437-4B30-8E3C-4D2BE6020583}" type="datetimeFigureOut">
               <a:rPr lang="en-US" dirty="0"/>
               <a:pPr/>
-              <a:t>9/5/2017</a:t>
+              <a:t>9/10/2018</a:t>
             </a:fld>
             <a:endParaRPr lang="en-US" dirty="0"/>
           </a:p>
@@ -4058,11 +4058,7 @@
             </a:pPr>
             <a:r>
               <a:rPr lang="en-US" sz="2400" dirty="0" smtClean="0"/>
-              <a:t>     </a:t>
-            </a:r>
-            <a:r>
-              <a:rPr lang="en-US" sz="2400" dirty="0" smtClean="0"/>
-              <a:t>(can be done on calculator): </a:t>
+              <a:t>     (can be done on calculator): </a:t>
             </a:r>
           </a:p>
           <a:p>
@@ -4187,36 +4183,6 @@
           </a:p>
           <a:p>
             <a:endParaRPr lang="en-US" sz="2400" dirty="0"/>
-          </a:p>
-        </p:txBody>
-      </p:sp>
-      <p:sp>
-        <p:nvSpPr>
-          <p:cNvPr id="3" name="TextBox 2"/>
-          <p:cNvSpPr txBox="1"/>
-          <p:nvPr/>
-        </p:nvSpPr>
-        <p:spPr>
-          <a:xfrm>
-            <a:off x="1500658" y="1053163"/>
-            <a:ext cx="9056646" cy="553998"/>
-          </a:xfrm>
-          <a:prstGeom prst="rect">
-            <a:avLst/>
-          </a:prstGeom>
-          <a:noFill/>
-        </p:spPr>
-        <p:txBody>
-          <a:bodyPr wrap="none" rtlCol="0">
-            <a:spAutoFit/>
-          </a:bodyPr>
-          <a:lstStyle/>
-          <a:p>
-            <a:r>
-              <a:rPr lang="en-US" sz="3000" b="1" i="1" u="sng" dirty="0" smtClean="0"/>
-              <a:t>I promise we won’t spend the entire time on this again!</a:t>
-            </a:r>
-            <a:endParaRPr lang="en-US" sz="3000" b="1" i="1" u="sng" dirty="0"/>
           </a:p>
         </p:txBody>
       </p:sp>
